--- a/Lesson24.pptx
+++ b/Lesson24.pptx
@@ -125,8 +125,10 @@
 <file path=ppt/revisionInfo.xml><?xml version="1.0" encoding="utf-8"?>
 <p1510:revInfo xmlns:a="http://schemas.openxmlformats.org/drawingml/2006/main" xmlns:r="http://schemas.openxmlformats.org/officeDocument/2006/relationships" xmlns:p1510="http://schemas.microsoft.com/office/powerpoint/2015/10/main">
   <p1510:revLst>
+    <p1510:client id="{2D089DF4-359C-417C-B7A4-564A1E692EB2}" v="249" dt="2020-12-22T19:34:44.585"/>
     <p1510:client id="{7C08F133-42C4-43AE-936B-0268C91E6B23}" v="2" dt="2020-10-11T19:50:33.553"/>
     <p1510:client id="{8C23462D-4220-4EE3-98B3-F32EFC974BA7}" v="426" dt="2020-07-22T09:51:20.138"/>
+    <p1510:client id="{C4B6D6EB-0778-4C98-B9A9-A7976BBB7F18}" v="2" dt="2020-10-26T20:36:09.039"/>
     <p1510:client id="{FCB8428B-E6B8-42D4-9802-ADFF0C0580B3}" v="309" dt="2020-10-17T13:41:54.537"/>
   </p1510:revLst>
 </p1510:revInfo>
@@ -261,7 +263,7 @@
           <a:p>
             <a:fld id="{1A2F0B57-8E6A-4005-9EDD-D258F6CC94AB}" type="datetimeFigureOut">
               <a:rPr lang="uk-UA" smtClean="0"/>
-              <a:t>21.10.2020</a:t>
+              <a:t>22.12.2020</a:t>
             </a:fld>
             <a:endParaRPr lang="uk-UA"/>
           </a:p>
@@ -429,7 +431,7 @@
           <a:p>
             <a:fld id="{1A2F0B57-8E6A-4005-9EDD-D258F6CC94AB}" type="datetimeFigureOut">
               <a:rPr lang="uk-UA" smtClean="0"/>
-              <a:t>21.10.2020</a:t>
+              <a:t>22.12.2020</a:t>
             </a:fld>
             <a:endParaRPr lang="uk-UA"/>
           </a:p>
@@ -607,7 +609,7 @@
           <a:p>
             <a:fld id="{1A2F0B57-8E6A-4005-9EDD-D258F6CC94AB}" type="datetimeFigureOut">
               <a:rPr lang="uk-UA" smtClean="0"/>
-              <a:t>21.10.2020</a:t>
+              <a:t>22.12.2020</a:t>
             </a:fld>
             <a:endParaRPr lang="uk-UA"/>
           </a:p>
@@ -775,7 +777,7 @@
           <a:p>
             <a:fld id="{1A2F0B57-8E6A-4005-9EDD-D258F6CC94AB}" type="datetimeFigureOut">
               <a:rPr lang="uk-UA" smtClean="0"/>
-              <a:t>21.10.2020</a:t>
+              <a:t>22.12.2020</a:t>
             </a:fld>
             <a:endParaRPr lang="uk-UA"/>
           </a:p>
@@ -1020,7 +1022,7 @@
           <a:p>
             <a:fld id="{1A2F0B57-8E6A-4005-9EDD-D258F6CC94AB}" type="datetimeFigureOut">
               <a:rPr lang="uk-UA" smtClean="0"/>
-              <a:t>21.10.2020</a:t>
+              <a:t>22.12.2020</a:t>
             </a:fld>
             <a:endParaRPr lang="uk-UA"/>
           </a:p>
@@ -1249,7 +1251,7 @@
           <a:p>
             <a:fld id="{1A2F0B57-8E6A-4005-9EDD-D258F6CC94AB}" type="datetimeFigureOut">
               <a:rPr lang="uk-UA" smtClean="0"/>
-              <a:t>21.10.2020</a:t>
+              <a:t>22.12.2020</a:t>
             </a:fld>
             <a:endParaRPr lang="uk-UA"/>
           </a:p>
@@ -1613,7 +1615,7 @@
           <a:p>
             <a:fld id="{1A2F0B57-8E6A-4005-9EDD-D258F6CC94AB}" type="datetimeFigureOut">
               <a:rPr lang="uk-UA" smtClean="0"/>
-              <a:t>21.10.2020</a:t>
+              <a:t>22.12.2020</a:t>
             </a:fld>
             <a:endParaRPr lang="uk-UA"/>
           </a:p>
@@ -1730,7 +1732,7 @@
           <a:p>
             <a:fld id="{1A2F0B57-8E6A-4005-9EDD-D258F6CC94AB}" type="datetimeFigureOut">
               <a:rPr lang="uk-UA" smtClean="0"/>
-              <a:t>21.10.2020</a:t>
+              <a:t>22.12.2020</a:t>
             </a:fld>
             <a:endParaRPr lang="uk-UA"/>
           </a:p>
@@ -1825,7 +1827,7 @@
           <a:p>
             <a:fld id="{1A2F0B57-8E6A-4005-9EDD-D258F6CC94AB}" type="datetimeFigureOut">
               <a:rPr lang="uk-UA" smtClean="0"/>
-              <a:t>21.10.2020</a:t>
+              <a:t>22.12.2020</a:t>
             </a:fld>
             <a:endParaRPr lang="uk-UA"/>
           </a:p>
@@ -2100,7 +2102,7 @@
           <a:p>
             <a:fld id="{1A2F0B57-8E6A-4005-9EDD-D258F6CC94AB}" type="datetimeFigureOut">
               <a:rPr lang="uk-UA" smtClean="0"/>
-              <a:t>21.10.2020</a:t>
+              <a:t>22.12.2020</a:t>
             </a:fld>
             <a:endParaRPr lang="uk-UA"/>
           </a:p>
@@ -2352,7 +2354,7 @@
           <a:p>
             <a:fld id="{1A2F0B57-8E6A-4005-9EDD-D258F6CC94AB}" type="datetimeFigureOut">
               <a:rPr lang="uk-UA" smtClean="0"/>
-              <a:t>21.10.2020</a:t>
+              <a:t>22.12.2020</a:t>
             </a:fld>
             <a:endParaRPr lang="uk-UA"/>
           </a:p>
@@ -2563,7 +2565,7 @@
           <a:p>
             <a:fld id="{1A2F0B57-8E6A-4005-9EDD-D258F6CC94AB}" type="datetimeFigureOut">
               <a:rPr lang="uk-UA" smtClean="0"/>
-              <a:t>21.10.2020</a:t>
+              <a:t>22.12.2020</a:t>
             </a:fld>
             <a:endParaRPr lang="uk-UA"/>
           </a:p>
@@ -3675,47 +3677,166 @@
               <a:buNone/>
             </a:pPr>
             <a:r>
-              <a:rPr lang="uk-UA" sz="2000">
-                <a:ea typeface="+mn-lt"/>
-                <a:cs typeface="+mn-lt"/>
-              </a:rPr>
-              <a:t>У C# всі типи, які призначені для користувавання, reference типи або value типи, наслідуються  від класу Object.</a:t>
-            </a:r>
-            <a:endParaRPr lang="uk-UA"/>
-          </a:p>
-          <a:p>
-            <a:pPr marL="0" indent="0">
-              <a:buNone/>
-            </a:pPr>
-            <a:r>
-              <a:rPr lang="uk-UA" sz="2000">
-                <a:ea typeface="+mn-lt"/>
-                <a:cs typeface="+mn-lt"/>
-              </a:rPr>
-              <a:t>Так як всі класи у C# є похідними від класу Object, всі методи, визначені в класі </a:t>
-            </a:r>
-            <a:r>
-              <a:rPr lang="uk-UA" sz="2000" err="1">
-                <a:ea typeface="+mn-lt"/>
-                <a:cs typeface="+mn-lt"/>
-              </a:rPr>
-              <a:t>Object</a:t>
-            </a:r>
-            <a:r>
               <a:rPr lang="uk-UA" sz="2000" dirty="0">
                 <a:ea typeface="+mn-lt"/>
                 <a:cs typeface="+mn-lt"/>
               </a:rPr>
-              <a:t>, доступні </a:t>
-            </a:r>
-            <a:r>
-              <a:rPr lang="uk-UA" sz="2000">
+              <a:t>У C# усі типи, </a:t>
+            </a:r>
+            <a:r>
+              <a:rPr lang="uk-UA" sz="2000" dirty="0" err="1">
                 <a:ea typeface="+mn-lt"/>
                 <a:cs typeface="+mn-lt"/>
               </a:rPr>
-              <a:t>для всіх класів в системі.</a:t>
-            </a:r>
-            <a:endParaRPr lang="uk-UA" sz="2000">
+              <a:t>reference</a:t>
+            </a:r>
+            <a:r>
+              <a:rPr lang="uk-UA" sz="2000" dirty="0">
+                <a:ea typeface="+mn-lt"/>
+                <a:cs typeface="+mn-lt"/>
+              </a:rPr>
+              <a:t> або </a:t>
+            </a:r>
+            <a:r>
+              <a:rPr lang="uk-UA" sz="2000" dirty="0" err="1">
+                <a:ea typeface="+mn-lt"/>
+                <a:cs typeface="+mn-lt"/>
+              </a:rPr>
+              <a:t>value</a:t>
+            </a:r>
+            <a:r>
+              <a:rPr lang="uk-UA" sz="2000" dirty="0">
+                <a:ea typeface="+mn-lt"/>
+                <a:cs typeface="+mn-lt"/>
+              </a:rPr>
+              <a:t> </a:t>
+            </a:r>
+            <a:r>
+              <a:rPr lang="uk-UA" sz="2000" dirty="0" err="1">
+                <a:ea typeface="+mn-lt"/>
+                <a:cs typeface="+mn-lt"/>
+              </a:rPr>
+              <a:t>наслідуються</a:t>
+            </a:r>
+            <a:r>
+              <a:rPr lang="uk-UA" sz="2000" dirty="0">
+                <a:ea typeface="+mn-lt"/>
+                <a:cs typeface="+mn-lt"/>
+              </a:rPr>
+              <a:t>  від класу </a:t>
+            </a:r>
+            <a:r>
+              <a:rPr lang="uk-UA" sz="2000" dirty="0" err="1">
+                <a:solidFill>
+                  <a:schemeClr val="accent1"/>
+                </a:solidFill>
+                <a:ea typeface="+mn-lt"/>
+                <a:cs typeface="+mn-lt"/>
+              </a:rPr>
+              <a:t>Object</a:t>
+            </a:r>
+            <a:r>
+              <a:rPr lang="uk-UA" sz="2000" dirty="0">
+                <a:ea typeface="+mn-lt"/>
+                <a:cs typeface="+mn-lt"/>
+              </a:rPr>
+              <a:t>.</a:t>
+            </a:r>
+            <a:endParaRPr lang="uk-UA" dirty="0"/>
+          </a:p>
+          <a:p>
+            <a:pPr marL="0" indent="0">
+              <a:buNone/>
+            </a:pPr>
+            <a:r>
+              <a:rPr lang="uk-UA" sz="2000" dirty="0">
+                <a:ea typeface="+mn-lt"/>
+                <a:cs typeface="+mn-lt"/>
+              </a:rPr>
+              <a:t>Так як всі класи у C# є похідними від класу </a:t>
+            </a:r>
+            <a:r>
+              <a:rPr lang="uk-UA" sz="2000" dirty="0" err="1">
+                <a:ea typeface="+mn-lt"/>
+                <a:cs typeface="+mn-lt"/>
+              </a:rPr>
+              <a:t>Object</a:t>
+            </a:r>
+            <a:r>
+              <a:rPr lang="uk-UA" sz="2000" dirty="0">
+                <a:ea typeface="+mn-lt"/>
+                <a:cs typeface="+mn-lt"/>
+              </a:rPr>
+              <a:t>, всі методи, визначені в класі </a:t>
+            </a:r>
+            <a:r>
+              <a:rPr lang="uk-UA" sz="2000" dirty="0" err="1">
+                <a:solidFill>
+                  <a:schemeClr val="accent1"/>
+                </a:solidFill>
+                <a:ea typeface="+mn-lt"/>
+                <a:cs typeface="+mn-lt"/>
+              </a:rPr>
+              <a:t>Object</a:t>
+            </a:r>
+            <a:r>
+              <a:rPr lang="uk-UA" sz="2000" dirty="0">
+                <a:ea typeface="+mn-lt"/>
+                <a:cs typeface="+mn-lt"/>
+              </a:rPr>
+              <a:t>, доступні для всіх класів у системі.</a:t>
+            </a:r>
+          </a:p>
+          <a:p>
+            <a:pPr marL="0" indent="0">
+              <a:buNone/>
+            </a:pPr>
+            <a:r>
+              <a:rPr lang="uk-UA" sz="2000" dirty="0">
+                <a:cs typeface="Calibri"/>
+              </a:rPr>
+              <a:t>Деякі методи класу </a:t>
+            </a:r>
+            <a:r>
+              <a:rPr lang="uk-UA" sz="2000" dirty="0" err="1">
+                <a:solidFill>
+                  <a:schemeClr val="accent1"/>
+                </a:solidFill>
+                <a:cs typeface="Calibri"/>
+              </a:rPr>
+              <a:t>Object</a:t>
+            </a:r>
+            <a:r>
+              <a:rPr lang="uk-UA" sz="2000" dirty="0">
+                <a:solidFill>
+                  <a:schemeClr val="accent1"/>
+                </a:solidFill>
+                <a:cs typeface="Calibri"/>
+              </a:rPr>
+              <a:t> </a:t>
+            </a:r>
+            <a:r>
+              <a:rPr lang="uk-UA" sz="2000" dirty="0">
+                <a:cs typeface="Calibri"/>
+              </a:rPr>
+              <a:t>є </a:t>
+            </a:r>
+            <a:r>
+              <a:rPr lang="uk-UA" sz="2000" dirty="0" err="1">
+                <a:cs typeface="Calibri"/>
+              </a:rPr>
+              <a:t>virtual</a:t>
+            </a:r>
+            <a:r>
+              <a:rPr lang="uk-UA" sz="2000" dirty="0">
+                <a:cs typeface="Calibri"/>
+              </a:rPr>
+              <a:t> отже ви можете перевизначити їх у своїх похідних класах.</a:t>
+            </a:r>
+            <a:endParaRPr lang="uk-UA" sz="2000" dirty="0">
+              <a:solidFill>
+                <a:schemeClr val="accent1"/>
+              </a:solidFill>
               <a:cs typeface="Calibri"/>
             </a:endParaRPr>
           </a:p>
@@ -3735,7 +3856,7 @@
         </p:nvSpPr>
         <p:spPr>
           <a:xfrm>
-            <a:off x="834147" y="2594853"/>
+            <a:off x="834147" y="2678487"/>
             <a:ext cx="9474200" cy="400110"/>
           </a:xfrm>
           <a:prstGeom prst="rect">
@@ -3810,6 +3931,96 @@
           </a:p>
         </p:txBody>
       </p:sp>
+      <p:pic>
+        <p:nvPicPr>
+          <p:cNvPr id="5" name="Рисунок 5">
+            <a:extLst>
+              <a:ext uri="{FF2B5EF4-FFF2-40B4-BE49-F238E27FC236}">
+                <a16:creationId xmlns:a16="http://schemas.microsoft.com/office/drawing/2014/main" id="{DB8CE8D3-185F-4A15-9092-B30EC6D3FFA1}"/>
+              </a:ext>
+            </a:extLst>
+          </p:cNvPr>
+          <p:cNvPicPr>
+            <a:picLocks noChangeAspect="1"/>
+          </p:cNvPicPr>
+          <p:nvPr/>
+        </p:nvPicPr>
+        <p:blipFill>
+          <a:blip r:embed="rId2"/>
+          <a:stretch>
+            <a:fillRect/>
+          </a:stretch>
+        </p:blipFill>
+        <p:spPr>
+          <a:xfrm>
+            <a:off x="10796819" y="431412"/>
+            <a:ext cx="522947" cy="503200"/>
+          </a:xfrm>
+          <a:prstGeom prst="rect">
+            <a:avLst/>
+          </a:prstGeom>
+        </p:spPr>
+      </p:pic>
+      <p:pic>
+        <p:nvPicPr>
+          <p:cNvPr id="7" name="Рисунок 7" descr="Зображення, що містить іграшка, у приміщенні, лялька, дивиться&#10;&#10;Опис створено автоматично">
+            <a:extLst>
+              <a:ext uri="{FF2B5EF4-FFF2-40B4-BE49-F238E27FC236}">
+                <a16:creationId xmlns:a16="http://schemas.microsoft.com/office/drawing/2014/main" id="{25A027F5-28A1-47B7-B1BE-2CDAA3ADE4C4}"/>
+              </a:ext>
+            </a:extLst>
+          </p:cNvPr>
+          <p:cNvPicPr>
+            <a:picLocks noChangeAspect="1"/>
+          </p:cNvPicPr>
+          <p:nvPr/>
+        </p:nvPicPr>
+        <p:blipFill>
+          <a:blip r:embed="rId3"/>
+          <a:stretch>
+            <a:fillRect/>
+          </a:stretch>
+        </p:blipFill>
+        <p:spPr>
+          <a:xfrm>
+            <a:off x="9870509" y="4496480"/>
+            <a:ext cx="1501036" cy="2019505"/>
+          </a:xfrm>
+          <a:prstGeom prst="rect">
+            <a:avLst/>
+          </a:prstGeom>
+        </p:spPr>
+      </p:pic>
+      <p:pic>
+        <p:nvPicPr>
+          <p:cNvPr id="8" name="Рисунок 8" descr="Зображення, що містить кімната, стіл, малювання&#10;&#10;Опис створено автоматично">
+            <a:extLst>
+              <a:ext uri="{FF2B5EF4-FFF2-40B4-BE49-F238E27FC236}">
+                <a16:creationId xmlns:a16="http://schemas.microsoft.com/office/drawing/2014/main" id="{DEDC7249-8918-45E6-A133-9B2C4623F4B3}"/>
+              </a:ext>
+            </a:extLst>
+          </p:cNvPr>
+          <p:cNvPicPr>
+            <a:picLocks noChangeAspect="1"/>
+          </p:cNvPicPr>
+          <p:nvPr/>
+        </p:nvPicPr>
+        <p:blipFill>
+          <a:blip r:embed="rId4"/>
+          <a:stretch>
+            <a:fillRect/>
+          </a:stretch>
+        </p:blipFill>
+        <p:spPr>
+          <a:xfrm>
+            <a:off x="840523" y="4825575"/>
+            <a:ext cx="2705100" cy="1685925"/>
+          </a:xfrm>
+          <a:prstGeom prst="rect">
+            <a:avLst/>
+          </a:prstGeom>
+        </p:spPr>
+      </p:pic>
     </p:spTree>
     <p:extLst>
       <p:ext uri="{BB962C8B-B14F-4D97-AF65-F5344CB8AC3E}">
@@ -4034,6 +4245,96 @@
           </a:p>
         </p:txBody>
       </p:sp>
+      <p:pic>
+        <p:nvPicPr>
+          <p:cNvPr id="5" name="Рисунок 5" descr="Зображення, що містить текст&#10;&#10;Опис створено автоматично">
+            <a:extLst>
+              <a:ext uri="{FF2B5EF4-FFF2-40B4-BE49-F238E27FC236}">
+                <a16:creationId xmlns:a16="http://schemas.microsoft.com/office/drawing/2014/main" id="{D2CEF831-9176-4517-B269-819BB68948B8}"/>
+              </a:ext>
+            </a:extLst>
+          </p:cNvPr>
+          <p:cNvPicPr>
+            <a:picLocks noChangeAspect="1"/>
+          </p:cNvPicPr>
+          <p:nvPr/>
+        </p:nvPicPr>
+        <p:blipFill>
+          <a:blip r:embed="rId2"/>
+          <a:stretch>
+            <a:fillRect/>
+          </a:stretch>
+        </p:blipFill>
+        <p:spPr>
+          <a:xfrm>
+            <a:off x="10796819" y="431412"/>
+            <a:ext cx="522947" cy="503200"/>
+          </a:xfrm>
+          <a:prstGeom prst="rect">
+            <a:avLst/>
+          </a:prstGeom>
+        </p:spPr>
+      </p:pic>
+      <p:pic>
+        <p:nvPicPr>
+          <p:cNvPr id="6" name="Рисунок 6" descr="Зображення, що містить гра, баскетбол, стіл&#10;&#10;Опис створено автоматично">
+            <a:extLst>
+              <a:ext uri="{FF2B5EF4-FFF2-40B4-BE49-F238E27FC236}">
+                <a16:creationId xmlns:a16="http://schemas.microsoft.com/office/drawing/2014/main" id="{BA7C1558-4CBF-4CD5-911A-22CA3C77155A}"/>
+              </a:ext>
+            </a:extLst>
+          </p:cNvPr>
+          <p:cNvPicPr>
+            <a:picLocks noChangeAspect="1"/>
+          </p:cNvPicPr>
+          <p:nvPr/>
+        </p:nvPicPr>
+        <p:blipFill>
+          <a:blip r:embed="rId3"/>
+          <a:stretch>
+            <a:fillRect/>
+          </a:stretch>
+        </p:blipFill>
+        <p:spPr>
+          <a:xfrm>
+            <a:off x="9403615" y="4306578"/>
+            <a:ext cx="1952625" cy="2333625"/>
+          </a:xfrm>
+          <a:prstGeom prst="rect">
+            <a:avLst/>
+          </a:prstGeom>
+        </p:spPr>
+      </p:pic>
+      <p:pic>
+        <p:nvPicPr>
+          <p:cNvPr id="7" name="Рисунок 7" descr="Зображення, що містить малювання&#10;&#10;Опис створено автоматично">
+            <a:extLst>
+              <a:ext uri="{FF2B5EF4-FFF2-40B4-BE49-F238E27FC236}">
+                <a16:creationId xmlns:a16="http://schemas.microsoft.com/office/drawing/2014/main" id="{43ACDA77-AC2B-4D30-BCEB-75149FFBFDC6}"/>
+              </a:ext>
+            </a:extLst>
+          </p:cNvPr>
+          <p:cNvPicPr>
+            <a:picLocks noChangeAspect="1"/>
+          </p:cNvPicPr>
+          <p:nvPr/>
+        </p:nvPicPr>
+        <p:blipFill>
+          <a:blip r:embed="rId4"/>
+          <a:stretch>
+            <a:fillRect/>
+          </a:stretch>
+        </p:blipFill>
+        <p:spPr>
+          <a:xfrm>
+            <a:off x="840059" y="4934182"/>
+            <a:ext cx="2743200" cy="1543050"/>
+          </a:xfrm>
+          <a:prstGeom prst="rect">
+            <a:avLst/>
+          </a:prstGeom>
+        </p:spPr>
+      </p:pic>
     </p:spTree>
     <p:extLst>
       <p:ext uri="{BB962C8B-B14F-4D97-AF65-F5344CB8AC3E}">
@@ -4194,7 +4495,7 @@
         </p:blipFill>
         <p:spPr>
           <a:xfrm>
-            <a:off x="3124200" y="2199259"/>
+            <a:off x="838200" y="2385113"/>
             <a:ext cx="5486400" cy="1773682"/>
           </a:xfrm>
           <a:prstGeom prst="rect">
@@ -4439,6 +4740,66 @@
           </a:p>
         </p:txBody>
       </p:sp>
+      <p:pic>
+        <p:nvPicPr>
+          <p:cNvPr id="6" name="Рисунок 6" descr="Зображення, що містить стріла&#10;&#10;Опис створено автоматично">
+            <a:extLst>
+              <a:ext uri="{FF2B5EF4-FFF2-40B4-BE49-F238E27FC236}">
+                <a16:creationId xmlns:a16="http://schemas.microsoft.com/office/drawing/2014/main" id="{8F74165C-918E-4A2F-A245-23B5379D6DD0}"/>
+              </a:ext>
+            </a:extLst>
+          </p:cNvPr>
+          <p:cNvPicPr>
+            <a:picLocks noChangeAspect="1"/>
+          </p:cNvPicPr>
+          <p:nvPr/>
+        </p:nvPicPr>
+        <p:blipFill>
+          <a:blip r:embed="rId3"/>
+          <a:stretch>
+            <a:fillRect/>
+          </a:stretch>
+        </p:blipFill>
+        <p:spPr>
+          <a:xfrm>
+            <a:off x="9389325" y="2387099"/>
+            <a:ext cx="2046250" cy="1777142"/>
+          </a:xfrm>
+          <a:prstGeom prst="rect">
+            <a:avLst/>
+          </a:prstGeom>
+        </p:spPr>
+      </p:pic>
+      <p:pic>
+        <p:nvPicPr>
+          <p:cNvPr id="7" name="Рисунок 7">
+            <a:extLst>
+              <a:ext uri="{FF2B5EF4-FFF2-40B4-BE49-F238E27FC236}">
+                <a16:creationId xmlns:a16="http://schemas.microsoft.com/office/drawing/2014/main" id="{C508D0A5-B9B3-4635-A260-77A3A4FD5F5A}"/>
+              </a:ext>
+            </a:extLst>
+          </p:cNvPr>
+          <p:cNvPicPr>
+            <a:picLocks noChangeAspect="1"/>
+          </p:cNvPicPr>
+          <p:nvPr/>
+        </p:nvPicPr>
+        <p:blipFill>
+          <a:blip r:embed="rId4"/>
+          <a:stretch>
+            <a:fillRect/>
+          </a:stretch>
+        </p:blipFill>
+        <p:spPr>
+          <a:xfrm>
+            <a:off x="10764644" y="280967"/>
+            <a:ext cx="587299" cy="571773"/>
+          </a:xfrm>
+          <a:prstGeom prst="rect">
+            <a:avLst/>
+          </a:prstGeom>
+        </p:spPr>
+      </p:pic>
     </p:spTree>
     <p:extLst>
       <p:ext uri="{BB962C8B-B14F-4D97-AF65-F5344CB8AC3E}">
@@ -4653,6 +5014,96 @@
           </a:p>
         </p:txBody>
       </p:sp>
+      <p:pic>
+        <p:nvPicPr>
+          <p:cNvPr id="4" name="Рисунок 4">
+            <a:extLst>
+              <a:ext uri="{FF2B5EF4-FFF2-40B4-BE49-F238E27FC236}">
+                <a16:creationId xmlns:a16="http://schemas.microsoft.com/office/drawing/2014/main" id="{14293F1D-4028-462B-8725-F700EE5397F8}"/>
+              </a:ext>
+            </a:extLst>
+          </p:cNvPr>
+          <p:cNvPicPr>
+            <a:picLocks noChangeAspect="1"/>
+          </p:cNvPicPr>
+          <p:nvPr/>
+        </p:nvPicPr>
+        <p:blipFill>
+          <a:blip r:embed="rId2"/>
+          <a:stretch>
+            <a:fillRect/>
+          </a:stretch>
+        </p:blipFill>
+        <p:spPr>
+          <a:xfrm>
+            <a:off x="10832480" y="406090"/>
+            <a:ext cx="525966" cy="525966"/>
+          </a:xfrm>
+          <a:prstGeom prst="rect">
+            <a:avLst/>
+          </a:prstGeom>
+        </p:spPr>
+      </p:pic>
+      <p:pic>
+        <p:nvPicPr>
+          <p:cNvPr id="5" name="Рисунок 5">
+            <a:extLst>
+              <a:ext uri="{FF2B5EF4-FFF2-40B4-BE49-F238E27FC236}">
+                <a16:creationId xmlns:a16="http://schemas.microsoft.com/office/drawing/2014/main" id="{A03BA76E-4678-4705-A608-0568BD4FB9A4}"/>
+              </a:ext>
+            </a:extLst>
+          </p:cNvPr>
+          <p:cNvPicPr>
+            <a:picLocks noChangeAspect="1"/>
+          </p:cNvPicPr>
+          <p:nvPr/>
+        </p:nvPicPr>
+        <p:blipFill>
+          <a:blip r:embed="rId3"/>
+          <a:stretch>
+            <a:fillRect/>
+          </a:stretch>
+        </p:blipFill>
+        <p:spPr>
+          <a:xfrm>
+            <a:off x="580372" y="4487450"/>
+            <a:ext cx="2743200" cy="1828800"/>
+          </a:xfrm>
+          <a:prstGeom prst="rect">
+            <a:avLst/>
+          </a:prstGeom>
+        </p:spPr>
+      </p:pic>
+      <p:pic>
+        <p:nvPicPr>
+          <p:cNvPr id="6" name="Рисунок 6">
+            <a:extLst>
+              <a:ext uri="{FF2B5EF4-FFF2-40B4-BE49-F238E27FC236}">
+                <a16:creationId xmlns:a16="http://schemas.microsoft.com/office/drawing/2014/main" id="{871A0EC2-F457-4764-80F0-0CA0B4EE283E}"/>
+              </a:ext>
+            </a:extLst>
+          </p:cNvPr>
+          <p:cNvPicPr>
+            <a:picLocks noChangeAspect="1"/>
+          </p:cNvPicPr>
+          <p:nvPr/>
+        </p:nvPicPr>
+        <p:blipFill>
+          <a:blip r:embed="rId4"/>
+          <a:stretch>
+            <a:fillRect/>
+          </a:stretch>
+        </p:blipFill>
+        <p:spPr>
+          <a:xfrm>
+            <a:off x="8680537" y="4716049"/>
+            <a:ext cx="2743200" cy="1371600"/>
+          </a:xfrm>
+          <a:prstGeom prst="rect">
+            <a:avLst/>
+          </a:prstGeom>
+        </p:spPr>
+      </p:pic>
     </p:spTree>
     <p:extLst>
       <p:ext uri="{BB962C8B-B14F-4D97-AF65-F5344CB8AC3E}">
@@ -4834,8 +5285,8 @@
         </p:nvSpPr>
         <p:spPr>
           <a:xfrm>
-            <a:off x="1714500" y="5600700"/>
-            <a:ext cx="9982200" cy="369332"/>
+            <a:off x="1411788" y="5600700"/>
+            <a:ext cx="9982200" cy="338554"/>
           </a:xfrm>
           <a:prstGeom prst="rect">
             <a:avLst/>
@@ -4852,7 +5303,7 @@
           <a:lstStyle/>
           <a:p>
             <a:r>
-              <a:rPr lang="en-US" dirty="0" err="1">
+              <a:rPr lang="en-US" sz="1600" dirty="0" err="1">
                 <a:solidFill>
                   <a:srgbClr val="C00000"/>
                 </a:solidFill>
@@ -4860,7 +5311,7 @@
               <a:t>Використовувати</a:t>
             </a:r>
             <a:r>
-              <a:rPr lang="en-US" dirty="0">
+              <a:rPr lang="en-US" sz="1600" dirty="0">
                 <a:solidFill>
                   <a:srgbClr val="C00000"/>
                 </a:solidFill>
@@ -4868,7 +5319,7 @@
               <a:t> </a:t>
             </a:r>
             <a:r>
-              <a:rPr lang="en-US" dirty="0" err="1">
+              <a:rPr lang="en-US" sz="1600" dirty="0" err="1">
                 <a:solidFill>
                   <a:srgbClr val="C00000"/>
                 </a:solidFill>
@@ -4876,7 +5327,7 @@
               <a:t>ключове</a:t>
             </a:r>
             <a:r>
-              <a:rPr lang="en-US" dirty="0">
+              <a:rPr lang="en-US" sz="1600" dirty="0">
                 <a:solidFill>
                   <a:srgbClr val="C00000"/>
                 </a:solidFill>
@@ -4884,7 +5335,7 @@
               <a:t> </a:t>
             </a:r>
             <a:r>
-              <a:rPr lang="en-US" dirty="0" err="1">
+              <a:rPr lang="en-US" sz="1600" dirty="0" err="1">
                 <a:solidFill>
                   <a:srgbClr val="C00000"/>
                 </a:solidFill>
@@ -4892,7 +5343,7 @@
               <a:t>слово</a:t>
             </a:r>
             <a:r>
-              <a:rPr lang="en-US" dirty="0">
+              <a:rPr lang="en-US" sz="1600" dirty="0">
                 <a:solidFill>
                   <a:srgbClr val="C00000"/>
                 </a:solidFill>
@@ -4900,7 +5351,7 @@
               <a:t> operator, </a:t>
             </a:r>
             <a:r>
-              <a:rPr lang="en-US" dirty="0" err="1">
+              <a:rPr lang="en-US" sz="1600" dirty="0" err="1">
                 <a:solidFill>
                   <a:srgbClr val="C00000"/>
                 </a:solidFill>
@@ -4908,7 +5359,7 @@
               <a:t>можна</a:t>
             </a:r>
             <a:r>
-              <a:rPr lang="en-US" dirty="0">
+              <a:rPr lang="en-US" sz="1600" dirty="0">
                 <a:solidFill>
                   <a:srgbClr val="C00000"/>
                 </a:solidFill>
@@ -4916,7 +5367,7 @@
               <a:t> </a:t>
             </a:r>
             <a:r>
-              <a:rPr lang="en-US" dirty="0" err="1">
+              <a:rPr lang="en-US" sz="1600" dirty="0" err="1">
                 <a:solidFill>
                   <a:srgbClr val="C00000"/>
                 </a:solidFill>
@@ -4924,7 +5375,7 @@
               <a:t>тільки</a:t>
             </a:r>
             <a:r>
-              <a:rPr lang="en-US" dirty="0">
+              <a:rPr lang="en-US" sz="1600" dirty="0">
                 <a:solidFill>
                   <a:srgbClr val="C00000"/>
                 </a:solidFill>
@@ -4932,7 +5383,7 @@
               <a:t> </a:t>
             </a:r>
             <a:r>
-              <a:rPr lang="en-US" dirty="0" err="1">
+              <a:rPr lang="en-US" sz="1600" dirty="0" err="1">
                 <a:solidFill>
                   <a:srgbClr val="C00000"/>
                 </a:solidFill>
@@ -4940,7 +5391,7 @@
               <a:t>разом</a:t>
             </a:r>
             <a:r>
-              <a:rPr lang="en-US" dirty="0">
+              <a:rPr lang="en-US" sz="1600" dirty="0">
                 <a:solidFill>
                   <a:srgbClr val="C00000"/>
                 </a:solidFill>
@@ -4948,7 +5399,7 @@
               <a:t> з </a:t>
             </a:r>
             <a:r>
-              <a:rPr lang="en-US" dirty="0" err="1">
+              <a:rPr lang="en-US" sz="1600" dirty="0" err="1">
                 <a:solidFill>
                   <a:srgbClr val="C00000"/>
                 </a:solidFill>
@@ -4956,7 +5407,7 @@
               <a:t>ключовим</a:t>
             </a:r>
             <a:r>
-              <a:rPr lang="en-US" dirty="0">
+              <a:rPr lang="en-US" sz="1600" dirty="0">
                 <a:solidFill>
                   <a:srgbClr val="C00000"/>
                 </a:solidFill>
@@ -4964,7 +5415,7 @@
               <a:t> </a:t>
             </a:r>
             <a:r>
-              <a:rPr lang="en-US" dirty="0" err="1">
+              <a:rPr lang="en-US" sz="1600" dirty="0" err="1">
                 <a:solidFill>
                   <a:srgbClr val="C00000"/>
                 </a:solidFill>
@@ -4972,14 +5423,14 @@
               <a:t>словом</a:t>
             </a:r>
             <a:r>
-              <a:rPr lang="en-US" dirty="0">
+              <a:rPr lang="en-US" sz="1600" dirty="0">
                 <a:solidFill>
                   <a:srgbClr val="C00000"/>
                 </a:solidFill>
               </a:rPr>
               <a:t> static.</a:t>
             </a:r>
-            <a:endParaRPr lang="uk-UA">
+            <a:endParaRPr lang="uk-UA" sz="1600">
               <a:solidFill>
                 <a:srgbClr val="C00000"/>
               </a:solidFill>
@@ -5010,8 +5461,68 @@
         </p:blipFill>
         <p:spPr>
           <a:xfrm>
-            <a:off x="836613" y="5434013"/>
-            <a:ext cx="790575" cy="714375"/>
+            <a:off x="742668" y="5517520"/>
+            <a:ext cx="560932" cy="526484"/>
+          </a:xfrm>
+          <a:prstGeom prst="rect">
+            <a:avLst/>
+          </a:prstGeom>
+        </p:spPr>
+      </p:pic>
+      <p:pic>
+        <p:nvPicPr>
+          <p:cNvPr id="8" name="Рисунок 4">
+            <a:extLst>
+              <a:ext uri="{FF2B5EF4-FFF2-40B4-BE49-F238E27FC236}">
+                <a16:creationId xmlns:a16="http://schemas.microsoft.com/office/drawing/2014/main" id="{831E287E-2347-4095-A8C9-A8435161631D}"/>
+              </a:ext>
+            </a:extLst>
+          </p:cNvPr>
+          <p:cNvPicPr>
+            <a:picLocks noChangeAspect="1"/>
+          </p:cNvPicPr>
+          <p:nvPr/>
+        </p:nvPicPr>
+        <p:blipFill>
+          <a:blip r:embed="rId4"/>
+          <a:stretch>
+            <a:fillRect/>
+          </a:stretch>
+        </p:blipFill>
+        <p:spPr>
+          <a:xfrm>
+            <a:off x="10832480" y="406090"/>
+            <a:ext cx="525966" cy="525966"/>
+          </a:xfrm>
+          <a:prstGeom prst="rect">
+            <a:avLst/>
+          </a:prstGeom>
+        </p:spPr>
+      </p:pic>
+      <p:pic>
+        <p:nvPicPr>
+          <p:cNvPr id="9" name="Рисунок 9">
+            <a:extLst>
+              <a:ext uri="{FF2B5EF4-FFF2-40B4-BE49-F238E27FC236}">
+                <a16:creationId xmlns:a16="http://schemas.microsoft.com/office/drawing/2014/main" id="{92285DD4-BEFF-409C-BD76-5EA21CAD685A}"/>
+              </a:ext>
+            </a:extLst>
+          </p:cNvPr>
+          <p:cNvPicPr>
+            <a:picLocks noChangeAspect="1"/>
+          </p:cNvPicPr>
+          <p:nvPr/>
+        </p:nvPicPr>
+        <p:blipFill>
+          <a:blip r:embed="rId5"/>
+          <a:stretch>
+            <a:fillRect/>
+          </a:stretch>
+        </p:blipFill>
+        <p:spPr>
+          <a:xfrm>
+            <a:off x="9098071" y="4520370"/>
+            <a:ext cx="2743200" cy="1742083"/>
           </a:xfrm>
           <a:prstGeom prst="rect">
             <a:avLst/>
@@ -5121,121 +5632,204 @@
           <a:p>
             <a:pPr marL="342900" indent="-342900"/>
             <a:r>
-              <a:rPr lang="uk-UA" sz="2000" dirty="0">
+              <a:rPr lang="uk-UA" sz="1800" dirty="0">
                 <a:ea typeface="+mn-lt"/>
                 <a:cs typeface="+mn-lt"/>
               </a:rPr>
               <a:t>Оператори порівняння можна перевантажувати, але тільки парами: якщо перевантажений</a:t>
             </a:r>
-            <a:endParaRPr lang="uk-UA" sz="2000" dirty="0">
+            <a:endParaRPr lang="uk-UA" sz="1800">
               <a:cs typeface="Calibri"/>
             </a:endParaRPr>
           </a:p>
           <a:p>
             <a:pPr marL="342900" indent="-342900"/>
             <a:r>
-              <a:rPr lang="uk-UA" sz="2000">
+              <a:rPr lang="uk-UA" sz="1800" dirty="0">
                 <a:ea typeface="+mn-lt"/>
                 <a:cs typeface="+mn-lt"/>
               </a:rPr>
               <a:t>оператор ==, то ! = також повинен бути перевантажений.</a:t>
             </a:r>
-            <a:endParaRPr lang="uk-UA" sz="2000">
+            <a:endParaRPr lang="uk-UA" sz="1800" dirty="0">
               <a:cs typeface="Calibri"/>
             </a:endParaRPr>
           </a:p>
           <a:p>
             <a:pPr marL="342900" indent="-342900"/>
             <a:r>
-              <a:rPr lang="uk-UA" sz="2000">
+              <a:rPr lang="uk-UA" sz="1800" dirty="0">
                 <a:ea typeface="+mn-lt"/>
                 <a:cs typeface="+mn-lt"/>
               </a:rPr>
               <a:t>Зворотний принцип також дійсний і діє для операторів &lt; і &gt;, а також для &lt;= і &gt; =.</a:t>
             </a:r>
-            <a:endParaRPr lang="uk-UA" sz="2000">
+            <a:endParaRPr lang="uk-UA" sz="1800" dirty="0">
               <a:cs typeface="Calibri"/>
             </a:endParaRPr>
           </a:p>
           <a:p>
             <a:pPr marL="342900" indent="-342900"/>
             <a:r>
-              <a:rPr lang="uk-UA" sz="2000" dirty="0">
+              <a:rPr lang="uk-UA" sz="1800" dirty="0">
                 <a:ea typeface="+mn-lt"/>
                 <a:cs typeface="+mn-lt"/>
               </a:rPr>
               <a:t>Для перевантаження оператора в призначеному для користувача класі потрібно створити метод в класі з правильною сигнатурою.</a:t>
             </a:r>
-            <a:endParaRPr lang="uk-UA" sz="2000" dirty="0">
+            <a:endParaRPr lang="uk-UA" sz="1800">
               <a:cs typeface="Calibri"/>
             </a:endParaRPr>
           </a:p>
           <a:p>
             <a:pPr marL="342900" indent="-342900"/>
             <a:r>
-              <a:rPr lang="uk-UA" sz="2000" dirty="0">
+              <a:rPr lang="uk-UA" sz="1800" dirty="0">
                 <a:ea typeface="+mn-lt"/>
                 <a:cs typeface="+mn-lt"/>
               </a:rPr>
               <a:t>Метод потрібно назвати "</a:t>
             </a:r>
             <a:r>
-              <a:rPr lang="uk-UA" sz="2000" err="1">
+              <a:rPr lang="uk-UA" sz="1800" dirty="0" err="1">
                 <a:ea typeface="+mn-lt"/>
                 <a:cs typeface="+mn-lt"/>
               </a:rPr>
               <a:t>operator</a:t>
             </a:r>
             <a:r>
-              <a:rPr lang="uk-UA" sz="2000" dirty="0">
+              <a:rPr lang="uk-UA" sz="1800" dirty="0">
                 <a:ea typeface="+mn-lt"/>
                 <a:cs typeface="+mn-lt"/>
               </a:rPr>
-              <a:t> X", де X - ім'я або символ </a:t>
-            </a:r>
-            <a:r>
-              <a:rPr lang="uk-UA" sz="2000">
+              <a:t> X", де X - ім'я або символ перевантаженого оператора.</a:t>
+            </a:r>
+            <a:endParaRPr lang="uk-UA" sz="1800" dirty="0">
+              <a:cs typeface="Calibri"/>
+            </a:endParaRPr>
+          </a:p>
+          <a:p>
+            <a:pPr marL="342900" indent="-342900"/>
+            <a:r>
+              <a:rPr lang="uk-UA" sz="1800" dirty="0" err="1">
                 <a:ea typeface="+mn-lt"/>
                 <a:cs typeface="+mn-lt"/>
               </a:rPr>
-              <a:t>перевантаженого оператора.</a:t>
-            </a:r>
-            <a:endParaRPr lang="uk-UA" sz="2000" err="1">
+              <a:t>Унарні</a:t>
+            </a:r>
+            <a:r>
+              <a:rPr lang="uk-UA" sz="1800" dirty="0">
+                <a:ea typeface="+mn-lt"/>
+                <a:cs typeface="+mn-lt"/>
+              </a:rPr>
+              <a:t> оператори мають один параметр, а бінарні - два. </a:t>
+            </a:r>
+          </a:p>
+          <a:p>
+            <a:pPr marL="342900" indent="-342900"/>
+            <a:r>
+              <a:rPr lang="uk-UA" sz="1800" dirty="0">
+                <a:ea typeface="+mn-lt"/>
+                <a:cs typeface="+mn-lt"/>
+              </a:rPr>
+              <a:t>У всіх випадках один параметр повинен бути такого ж типу, як і клас або структура, який оголосив оператор.</a:t>
+            </a:r>
+            <a:endParaRPr lang="uk-UA" sz="1800" dirty="0">
               <a:cs typeface="Calibri"/>
             </a:endParaRPr>
           </a:p>
-          <a:p>
-            <a:pPr marL="342900" indent="-342900"/>
-            <a:r>
-              <a:rPr lang="uk-UA" sz="2000" err="1">
-                <a:ea typeface="+mn-lt"/>
-                <a:cs typeface="+mn-lt"/>
-              </a:rPr>
-              <a:t>Унарні</a:t>
-            </a:r>
-            <a:r>
-              <a:rPr lang="uk-UA" sz="2000">
-                <a:ea typeface="+mn-lt"/>
-                <a:cs typeface="+mn-lt"/>
-              </a:rPr>
-              <a:t> оператори мають один параметр, а бінарні - два. </a:t>
-            </a:r>
-          </a:p>
-          <a:p>
-            <a:pPr marL="342900" indent="-342900"/>
-            <a:r>
-              <a:rPr lang="uk-UA" sz="2000">
-                <a:ea typeface="+mn-lt"/>
-                <a:cs typeface="+mn-lt"/>
-              </a:rPr>
-              <a:t>У всіх випадках один параметр повинен бути такого ж типу, як і клас або структура, який оголосив оператор.</a:t>
-            </a:r>
-            <a:endParaRPr lang="uk-UA" sz="2000">
-              <a:cs typeface="Calibri"/>
-            </a:endParaRPr>
-          </a:p>
-        </p:txBody>
-      </p:sp>
+        </p:txBody>
+      </p:sp>
+      <p:pic>
+        <p:nvPicPr>
+          <p:cNvPr id="4" name="Рисунок 4">
+            <a:extLst>
+              <a:ext uri="{FF2B5EF4-FFF2-40B4-BE49-F238E27FC236}">
+                <a16:creationId xmlns:a16="http://schemas.microsoft.com/office/drawing/2014/main" id="{8DC8B625-4BEE-41FA-B8B4-82A2AD0615DA}"/>
+              </a:ext>
+            </a:extLst>
+          </p:cNvPr>
+          <p:cNvPicPr>
+            <a:picLocks noChangeAspect="1"/>
+          </p:cNvPicPr>
+          <p:nvPr/>
+        </p:nvPicPr>
+        <p:blipFill>
+          <a:blip r:embed="rId2"/>
+          <a:stretch>
+            <a:fillRect/>
+          </a:stretch>
+        </p:blipFill>
+        <p:spPr>
+          <a:xfrm>
+            <a:off x="841332" y="4449175"/>
+            <a:ext cx="2054268" cy="2124553"/>
+          </a:xfrm>
+          <a:prstGeom prst="rect">
+            <a:avLst/>
+          </a:prstGeom>
+        </p:spPr>
+      </p:pic>
+      <p:pic>
+        <p:nvPicPr>
+          <p:cNvPr id="5" name="Рисунок 5" descr="Зображення, що містить текст&#10;&#10;Опис створено автоматично">
+            <a:extLst>
+              <a:ext uri="{FF2B5EF4-FFF2-40B4-BE49-F238E27FC236}">
+                <a16:creationId xmlns:a16="http://schemas.microsoft.com/office/drawing/2014/main" id="{0B94C160-7489-45AB-A530-5DC01407F1D2}"/>
+              </a:ext>
+            </a:extLst>
+          </p:cNvPr>
+          <p:cNvPicPr>
+            <a:picLocks noChangeAspect="1"/>
+          </p:cNvPicPr>
+          <p:nvPr/>
+        </p:nvPicPr>
+        <p:blipFill>
+          <a:blip r:embed="rId3"/>
+          <a:stretch>
+            <a:fillRect/>
+          </a:stretch>
+        </p:blipFill>
+        <p:spPr>
+          <a:xfrm>
+            <a:off x="8628345" y="4814483"/>
+            <a:ext cx="2743200" cy="1508760"/>
+          </a:xfrm>
+          <a:prstGeom prst="rect">
+            <a:avLst/>
+          </a:prstGeom>
+        </p:spPr>
+      </p:pic>
+      <p:pic>
+        <p:nvPicPr>
+          <p:cNvPr id="6" name="Рисунок 6">
+            <a:extLst>
+              <a:ext uri="{FF2B5EF4-FFF2-40B4-BE49-F238E27FC236}">
+                <a16:creationId xmlns:a16="http://schemas.microsoft.com/office/drawing/2014/main" id="{4F4AB787-39C6-4518-A4E6-192A3DA06E6C}"/>
+              </a:ext>
+            </a:extLst>
+          </p:cNvPr>
+          <p:cNvPicPr>
+            <a:picLocks noChangeAspect="1"/>
+          </p:cNvPicPr>
+          <p:nvPr/>
+        </p:nvPicPr>
+        <p:blipFill>
+          <a:blip r:embed="rId4"/>
+          <a:stretch>
+            <a:fillRect/>
+          </a:stretch>
+        </p:blipFill>
+        <p:spPr>
+          <a:xfrm>
+            <a:off x="10693379" y="365602"/>
+            <a:ext cx="659052" cy="521397"/>
+          </a:xfrm>
+          <a:prstGeom prst="rect">
+            <a:avLst/>
+          </a:prstGeom>
+        </p:spPr>
+      </p:pic>
     </p:spTree>
     <p:extLst>
       <p:ext uri="{BB962C8B-B14F-4D97-AF65-F5344CB8AC3E}">
@@ -5333,7 +5927,7 @@
         </p:blipFill>
         <p:spPr>
           <a:xfrm>
-            <a:off x="3221104" y="2039582"/>
+            <a:off x="842178" y="2011704"/>
             <a:ext cx="5198015" cy="3510267"/>
           </a:xfrm>
         </p:spPr>
@@ -5453,6 +6047,66 @@
           </a:p>
         </p:txBody>
       </p:sp>
+      <p:pic>
+        <p:nvPicPr>
+          <p:cNvPr id="11" name="Рисунок 4">
+            <a:extLst>
+              <a:ext uri="{FF2B5EF4-FFF2-40B4-BE49-F238E27FC236}">
+                <a16:creationId xmlns:a16="http://schemas.microsoft.com/office/drawing/2014/main" id="{3042B1B0-CE02-4158-A0A5-7D187F603A93}"/>
+              </a:ext>
+            </a:extLst>
+          </p:cNvPr>
+          <p:cNvPicPr>
+            <a:picLocks noChangeAspect="1"/>
+          </p:cNvPicPr>
+          <p:nvPr/>
+        </p:nvPicPr>
+        <p:blipFill>
+          <a:blip r:embed="rId3"/>
+          <a:stretch>
+            <a:fillRect/>
+          </a:stretch>
+        </p:blipFill>
+        <p:spPr>
+          <a:xfrm>
+            <a:off x="10832480" y="406090"/>
+            <a:ext cx="525966" cy="525966"/>
+          </a:xfrm>
+          <a:prstGeom prst="rect">
+            <a:avLst/>
+          </a:prstGeom>
+        </p:spPr>
+      </p:pic>
+      <p:pic>
+        <p:nvPicPr>
+          <p:cNvPr id="12" name="Рисунок 12">
+            <a:extLst>
+              <a:ext uri="{FF2B5EF4-FFF2-40B4-BE49-F238E27FC236}">
+                <a16:creationId xmlns:a16="http://schemas.microsoft.com/office/drawing/2014/main" id="{025BE373-B1D7-46AE-9381-BD9906CE5F6F}"/>
+              </a:ext>
+            </a:extLst>
+          </p:cNvPr>
+          <p:cNvPicPr>
+            <a:picLocks noChangeAspect="1"/>
+          </p:cNvPicPr>
+          <p:nvPr/>
+        </p:nvPicPr>
+        <p:blipFill>
+          <a:blip r:embed="rId4"/>
+          <a:stretch>
+            <a:fillRect/>
+          </a:stretch>
+        </p:blipFill>
+        <p:spPr>
+          <a:xfrm>
+            <a:off x="9370741" y="3830068"/>
+            <a:ext cx="2055542" cy="2496768"/>
+          </a:xfrm>
+          <a:prstGeom prst="rect">
+            <a:avLst/>
+          </a:prstGeom>
+        </p:spPr>
+      </p:pic>
     </p:spTree>
     <p:extLst>
       <p:ext uri="{BB962C8B-B14F-4D97-AF65-F5344CB8AC3E}">
@@ -5550,7 +6204,7 @@
         </p:blipFill>
         <p:spPr>
           <a:xfrm>
-            <a:off x="3243633" y="2032490"/>
+            <a:off x="836828" y="2088246"/>
             <a:ext cx="5085946" cy="3470141"/>
           </a:xfrm>
         </p:spPr>
@@ -5670,6 +6324,66 @@
           </a:p>
         </p:txBody>
       </p:sp>
+      <p:pic>
+        <p:nvPicPr>
+          <p:cNvPr id="8" name="Рисунок 4">
+            <a:extLst>
+              <a:ext uri="{FF2B5EF4-FFF2-40B4-BE49-F238E27FC236}">
+                <a16:creationId xmlns:a16="http://schemas.microsoft.com/office/drawing/2014/main" id="{FE765135-FDD0-4F5D-B20E-6DF466E0482C}"/>
+              </a:ext>
+            </a:extLst>
+          </p:cNvPr>
+          <p:cNvPicPr>
+            <a:picLocks noChangeAspect="1"/>
+          </p:cNvPicPr>
+          <p:nvPr/>
+        </p:nvPicPr>
+        <p:blipFill>
+          <a:blip r:embed="rId3"/>
+          <a:stretch>
+            <a:fillRect/>
+          </a:stretch>
+        </p:blipFill>
+        <p:spPr>
+          <a:xfrm>
+            <a:off x="10832480" y="406090"/>
+            <a:ext cx="525966" cy="525966"/>
+          </a:xfrm>
+          <a:prstGeom prst="rect">
+            <a:avLst/>
+          </a:prstGeom>
+        </p:spPr>
+      </p:pic>
+      <p:pic>
+        <p:nvPicPr>
+          <p:cNvPr id="12" name="Рисунок 12">
+            <a:extLst>
+              <a:ext uri="{FF2B5EF4-FFF2-40B4-BE49-F238E27FC236}">
+                <a16:creationId xmlns:a16="http://schemas.microsoft.com/office/drawing/2014/main" id="{8ECFBBE3-3BFE-41E8-BA9A-969FDA931107}"/>
+              </a:ext>
+            </a:extLst>
+          </p:cNvPr>
+          <p:cNvPicPr>
+            <a:picLocks noChangeAspect="1"/>
+          </p:cNvPicPr>
+          <p:nvPr/>
+        </p:nvPicPr>
+        <p:blipFill>
+          <a:blip r:embed="rId4"/>
+          <a:stretch>
+            <a:fillRect/>
+          </a:stretch>
+        </p:blipFill>
+        <p:spPr>
+          <a:xfrm>
+            <a:off x="9370741" y="3830068"/>
+            <a:ext cx="2055542" cy="2496768"/>
+          </a:xfrm>
+          <a:prstGeom prst="rect">
+            <a:avLst/>
+          </a:prstGeom>
+        </p:spPr>
+      </p:pic>
     </p:spTree>
     <p:extLst>
       <p:ext uri="{BB962C8B-B14F-4D97-AF65-F5344CB8AC3E}">
